--- a/Relatório-ver-2/image/PESTA/Diagrama/Diagrama_bloco.pptx
+++ b/Relatório-ver-2/image/PESTA/Diagrama/Diagrama_bloco.pptx
@@ -269,7 +269,7 @@
           <a:p>
             <a:fld id="{486408F3-248D-4767-B5FA-BB4B09811B03}" type="datetimeFigureOut">
               <a:rPr lang="en-GB" smtClean="0"/>
-              <a:t>21/06/2021</a:t>
+              <a:t>27/06/2021</a:t>
             </a:fld>
             <a:endParaRPr lang="en-GB"/>
           </a:p>
@@ -323,7 +323,7 @@
           <a:p>
             <a:fld id="{320B871E-325F-41FD-8131-FE8643CFFB2E}" type="slidenum">
               <a:rPr lang="en-GB" smtClean="0"/>
-              <a:t>‹#›</a:t>
+              <a:t>‹nº›</a:t>
             </a:fld>
             <a:endParaRPr lang="en-GB"/>
           </a:p>
@@ -469,7 +469,7 @@
           <a:p>
             <a:fld id="{486408F3-248D-4767-B5FA-BB4B09811B03}" type="datetimeFigureOut">
               <a:rPr lang="en-GB" smtClean="0"/>
-              <a:t>21/06/2021</a:t>
+              <a:t>27/06/2021</a:t>
             </a:fld>
             <a:endParaRPr lang="en-GB"/>
           </a:p>
@@ -523,7 +523,7 @@
           <a:p>
             <a:fld id="{320B871E-325F-41FD-8131-FE8643CFFB2E}" type="slidenum">
               <a:rPr lang="en-GB" smtClean="0"/>
-              <a:t>‹#›</a:t>
+              <a:t>‹nº›</a:t>
             </a:fld>
             <a:endParaRPr lang="en-GB"/>
           </a:p>
@@ -679,7 +679,7 @@
           <a:p>
             <a:fld id="{486408F3-248D-4767-B5FA-BB4B09811B03}" type="datetimeFigureOut">
               <a:rPr lang="en-GB" smtClean="0"/>
-              <a:t>21/06/2021</a:t>
+              <a:t>27/06/2021</a:t>
             </a:fld>
             <a:endParaRPr lang="en-GB"/>
           </a:p>
@@ -733,7 +733,7 @@
           <a:p>
             <a:fld id="{320B871E-325F-41FD-8131-FE8643CFFB2E}" type="slidenum">
               <a:rPr lang="en-GB" smtClean="0"/>
-              <a:t>‹#›</a:t>
+              <a:t>‹nº›</a:t>
             </a:fld>
             <a:endParaRPr lang="en-GB"/>
           </a:p>
@@ -879,7 +879,7 @@
           <a:p>
             <a:fld id="{486408F3-248D-4767-B5FA-BB4B09811B03}" type="datetimeFigureOut">
               <a:rPr lang="en-GB" smtClean="0"/>
-              <a:t>21/06/2021</a:t>
+              <a:t>27/06/2021</a:t>
             </a:fld>
             <a:endParaRPr lang="en-GB"/>
           </a:p>
@@ -933,7 +933,7 @@
           <a:p>
             <a:fld id="{320B871E-325F-41FD-8131-FE8643CFFB2E}" type="slidenum">
               <a:rPr lang="en-GB" smtClean="0"/>
-              <a:t>‹#›</a:t>
+              <a:t>‹nº›</a:t>
             </a:fld>
             <a:endParaRPr lang="en-GB"/>
           </a:p>
@@ -1155,7 +1155,7 @@
           <a:p>
             <a:fld id="{486408F3-248D-4767-B5FA-BB4B09811B03}" type="datetimeFigureOut">
               <a:rPr lang="en-GB" smtClean="0"/>
-              <a:t>21/06/2021</a:t>
+              <a:t>27/06/2021</a:t>
             </a:fld>
             <a:endParaRPr lang="en-GB"/>
           </a:p>
@@ -1209,7 +1209,7 @@
           <a:p>
             <a:fld id="{320B871E-325F-41FD-8131-FE8643CFFB2E}" type="slidenum">
               <a:rPr lang="en-GB" smtClean="0"/>
-              <a:t>‹#›</a:t>
+              <a:t>‹nº›</a:t>
             </a:fld>
             <a:endParaRPr lang="en-GB"/>
           </a:p>
@@ -1423,7 +1423,7 @@
           <a:p>
             <a:fld id="{486408F3-248D-4767-B5FA-BB4B09811B03}" type="datetimeFigureOut">
               <a:rPr lang="en-GB" smtClean="0"/>
-              <a:t>21/06/2021</a:t>
+              <a:t>27/06/2021</a:t>
             </a:fld>
             <a:endParaRPr lang="en-GB"/>
           </a:p>
@@ -1477,7 +1477,7 @@
           <a:p>
             <a:fld id="{320B871E-325F-41FD-8131-FE8643CFFB2E}" type="slidenum">
               <a:rPr lang="en-GB" smtClean="0"/>
-              <a:t>‹#›</a:t>
+              <a:t>‹nº›</a:t>
             </a:fld>
             <a:endParaRPr lang="en-GB"/>
           </a:p>
@@ -1838,7 +1838,7 @@
           <a:p>
             <a:fld id="{486408F3-248D-4767-B5FA-BB4B09811B03}" type="datetimeFigureOut">
               <a:rPr lang="en-GB" smtClean="0"/>
-              <a:t>21/06/2021</a:t>
+              <a:t>27/06/2021</a:t>
             </a:fld>
             <a:endParaRPr lang="en-GB"/>
           </a:p>
@@ -1892,7 +1892,7 @@
           <a:p>
             <a:fld id="{320B871E-325F-41FD-8131-FE8643CFFB2E}" type="slidenum">
               <a:rPr lang="en-GB" smtClean="0"/>
-              <a:t>‹#›</a:t>
+              <a:t>‹nº›</a:t>
             </a:fld>
             <a:endParaRPr lang="en-GB"/>
           </a:p>
@@ -1980,7 +1980,7 @@
           <a:p>
             <a:fld id="{486408F3-248D-4767-B5FA-BB4B09811B03}" type="datetimeFigureOut">
               <a:rPr lang="en-GB" smtClean="0"/>
-              <a:t>21/06/2021</a:t>
+              <a:t>27/06/2021</a:t>
             </a:fld>
             <a:endParaRPr lang="en-GB"/>
           </a:p>
@@ -2034,7 +2034,7 @@
           <a:p>
             <a:fld id="{320B871E-325F-41FD-8131-FE8643CFFB2E}" type="slidenum">
               <a:rPr lang="en-GB" smtClean="0"/>
-              <a:t>‹#›</a:t>
+              <a:t>‹nº›</a:t>
             </a:fld>
             <a:endParaRPr lang="en-GB"/>
           </a:p>
@@ -2093,7 +2093,7 @@
           <a:p>
             <a:fld id="{486408F3-248D-4767-B5FA-BB4B09811B03}" type="datetimeFigureOut">
               <a:rPr lang="en-GB" smtClean="0"/>
-              <a:t>21/06/2021</a:t>
+              <a:t>27/06/2021</a:t>
             </a:fld>
             <a:endParaRPr lang="en-GB"/>
           </a:p>
@@ -2147,7 +2147,7 @@
           <a:p>
             <a:fld id="{320B871E-325F-41FD-8131-FE8643CFFB2E}" type="slidenum">
               <a:rPr lang="en-GB" smtClean="0"/>
-              <a:t>‹#›</a:t>
+              <a:t>‹nº›</a:t>
             </a:fld>
             <a:endParaRPr lang="en-GB"/>
           </a:p>
@@ -2406,7 +2406,7 @@
           <a:p>
             <a:fld id="{486408F3-248D-4767-B5FA-BB4B09811B03}" type="datetimeFigureOut">
               <a:rPr lang="en-GB" smtClean="0"/>
-              <a:t>21/06/2021</a:t>
+              <a:t>27/06/2021</a:t>
             </a:fld>
             <a:endParaRPr lang="en-GB"/>
           </a:p>
@@ -2460,7 +2460,7 @@
           <a:p>
             <a:fld id="{320B871E-325F-41FD-8131-FE8643CFFB2E}" type="slidenum">
               <a:rPr lang="en-GB" smtClean="0"/>
-              <a:t>‹#›</a:t>
+              <a:t>‹nº›</a:t>
             </a:fld>
             <a:endParaRPr lang="en-GB"/>
           </a:p>
@@ -2695,7 +2695,7 @@
           <a:p>
             <a:fld id="{486408F3-248D-4767-B5FA-BB4B09811B03}" type="datetimeFigureOut">
               <a:rPr lang="en-GB" smtClean="0"/>
-              <a:t>21/06/2021</a:t>
+              <a:t>27/06/2021</a:t>
             </a:fld>
             <a:endParaRPr lang="en-GB"/>
           </a:p>
@@ -2749,7 +2749,7 @@
           <a:p>
             <a:fld id="{320B871E-325F-41FD-8131-FE8643CFFB2E}" type="slidenum">
               <a:rPr lang="en-GB" smtClean="0"/>
-              <a:t>‹#›</a:t>
+              <a:t>‹nº›</a:t>
             </a:fld>
             <a:endParaRPr lang="en-GB"/>
           </a:p>
@@ -2938,7 +2938,7 @@
           <a:p>
             <a:fld id="{486408F3-248D-4767-B5FA-BB4B09811B03}" type="datetimeFigureOut">
               <a:rPr lang="en-GB" smtClean="0"/>
-              <a:t>21/06/2021</a:t>
+              <a:t>27/06/2021</a:t>
             </a:fld>
             <a:endParaRPr lang="en-GB"/>
           </a:p>
@@ -3028,7 +3028,7 @@
           <a:p>
             <a:fld id="{320B871E-325F-41FD-8131-FE8643CFFB2E}" type="slidenum">
               <a:rPr lang="en-GB" smtClean="0"/>
-              <a:t>‹#›</a:t>
+              <a:t>‹nº›</a:t>
             </a:fld>
             <a:endParaRPr lang="en-GB"/>
           </a:p>
@@ -3355,42 +3355,6 @@
           <a:chExt cx="0" cy="0"/>
         </a:xfrm>
       </p:grpSpPr>
-      <p:pic>
-        <p:nvPicPr>
-          <p:cNvPr id="16" name="Picture 15" descr="Diagram, engineering drawing&#10;&#10;Description automatically generated">
-            <a:extLst>
-              <a:ext uri="{FF2B5EF4-FFF2-40B4-BE49-F238E27FC236}">
-                <a16:creationId xmlns:a16="http://schemas.microsoft.com/office/drawing/2014/main" id="{03C29643-8D7B-4D1A-88F2-456A6ADA2220}"/>
-              </a:ext>
-            </a:extLst>
-          </p:cNvPr>
-          <p:cNvPicPr>
-            <a:picLocks noChangeAspect="1"/>
-          </p:cNvPicPr>
-          <p:nvPr/>
-        </p:nvPicPr>
-        <p:blipFill>
-          <a:blip r:embed="rId2">
-            <a:extLst>
-              <a:ext uri="{28A0092B-C50C-407E-A947-70E740481C1C}">
-                <a14:useLocalDpi xmlns:a14="http://schemas.microsoft.com/office/drawing/2010/main" val="0"/>
-              </a:ext>
-            </a:extLst>
-          </a:blip>
-          <a:stretch>
-            <a:fillRect/>
-          </a:stretch>
-        </p:blipFill>
-        <p:spPr>
-          <a:xfrm>
-            <a:off x="452610" y="1228459"/>
-            <a:ext cx="1482089" cy="1021999"/>
-          </a:xfrm>
-          <a:prstGeom prst="rect">
-            <a:avLst/>
-          </a:prstGeom>
-        </p:spPr>
-      </p:pic>
       <p:sp>
         <p:nvSpPr>
           <p:cNvPr id="18" name="Rectangle 17">
@@ -3445,7 +3409,7 @@
                   <a:schemeClr val="tx1"/>
                 </a:solidFill>
               </a:rPr>
-              <a:t>Alimentação Célula de Peso e filtro de ruido de entrada</a:t>
+              <a:t>Alimentação Célula de Peso e filtro de ruído de entrada</a:t>
             </a:r>
             <a:endParaRPr lang="en-GB" dirty="0">
               <a:solidFill>
@@ -4304,7 +4268,7 @@
         </p:nvSpPr>
         <p:spPr>
           <a:xfrm>
-            <a:off x="357053" y="2244194"/>
+            <a:off x="357053" y="1611230"/>
             <a:ext cx="1631152" cy="369332"/>
           </a:xfrm>
           <a:prstGeom prst="rect">
@@ -4476,8 +4440,8 @@
         </p:nvSpPr>
         <p:spPr>
           <a:xfrm>
-            <a:off x="351665" y="907221"/>
-            <a:ext cx="1641929" cy="1712569"/>
+            <a:off x="351665" y="1341334"/>
+            <a:ext cx="1641929" cy="909124"/>
           </a:xfrm>
           <a:prstGeom prst="rect">
             <a:avLst/>
